--- a/Report.pptx
+++ b/Report.pptx
@@ -3498,7 +3498,7 @@
                 <a:latin typeface="HY헤드라인M" panose="02030600000101010101" pitchFamily="18" charset="-127"/>
                 <a:ea typeface="HY헤드라인M" panose="02030600000101010101" pitchFamily="18" charset="-127"/>
               </a:rPr>
-              <a:t>:</a:t>
+              <a:t>: </a:t>
             </a:r>
             <a:r>
               <a:rPr lang="ko-KR" altLang="en-US" dirty="0">
@@ -3512,6 +3512,32 @@
                 <a:ea typeface="HY헤드라인M" panose="02030600000101010101" pitchFamily="18" charset="-127"/>
               </a:rPr>
               <a:t>이혜원</a:t>
+            </a:r>
+            <a:r>
+              <a:rPr lang="en-US" altLang="ko-KR" dirty="0">
+                <a:solidFill>
+                  <a:schemeClr val="tx1">
+                    <a:lumMod val="85000"/>
+                    <a:lumOff val="15000"/>
+                  </a:schemeClr>
+                </a:solidFill>
+                <a:latin typeface="HY헤드라인M" panose="02030600000101010101" pitchFamily="18" charset="-127"/>
+                <a:ea typeface="HY헤드라인M" panose="02030600000101010101" pitchFamily="18" charset="-127"/>
+              </a:rPr>
+              <a:t>, </a:t>
+            </a:r>
+            <a:r>
+              <a:rPr lang="ko-KR" altLang="en-US" dirty="0">
+                <a:solidFill>
+                  <a:schemeClr val="tx1">
+                    <a:lumMod val="85000"/>
+                    <a:lumOff val="15000"/>
+                  </a:schemeClr>
+                </a:solidFill>
+                <a:latin typeface="HY헤드라인M" panose="02030600000101010101" pitchFamily="18" charset="-127"/>
+                <a:ea typeface="HY헤드라인M" panose="02030600000101010101" pitchFamily="18" charset="-127"/>
+              </a:rPr>
+              <a:t>김은화</a:t>
             </a:r>
             <a:r>
               <a:rPr lang="en-US" altLang="ko-KR" dirty="0">
@@ -4501,7 +4527,7 @@
         <p:spPr>
           <a:xfrm>
             <a:off x="376334" y="3522306"/>
-            <a:ext cx="11439332" cy="584775"/>
+            <a:ext cx="11439332" cy="338554"/>
           </a:xfrm>
           <a:prstGeom prst="rect">
             <a:avLst/>
@@ -4518,42 +4544,13 @@
               <a:rPr lang="ko-KR" altLang="en-US" sz="1600" dirty="0">
                 <a:latin typeface="+mn-ea"/>
               </a:rPr>
-              <a:t>문제점 </a:t>
+              <a:t>자신과 닮은꼴 연애인을 찾아준다</a:t>
             </a:r>
             <a:r>
               <a:rPr lang="en-US" altLang="ko-KR" sz="1600" dirty="0">
                 <a:latin typeface="+mn-ea"/>
               </a:rPr>
-              <a:t>:  </a:t>
-            </a:r>
-            <a:r>
-              <a:rPr lang="ko-KR" altLang="en-US" sz="1600" dirty="0">
-                <a:latin typeface="+mn-ea"/>
-              </a:rPr>
-              <a:t>기존에 쓰레기 무단 투기 단속 카메라는 모션 센서만 있어 움직이는 물체만 있다면 센서가 작동 되어</a:t>
-            </a:r>
-            <a:endParaRPr lang="en-US" altLang="ko-KR" sz="1600" dirty="0">
-              <a:latin typeface="+mn-ea"/>
-            </a:endParaRPr>
-          </a:p>
-          <a:p>
-            <a:r>
-              <a:rPr lang="en-US" altLang="ko-KR" sz="1600" dirty="0">
-                <a:latin typeface="+mn-ea"/>
-              </a:rPr>
-              <a:t> </a:t>
-            </a:r>
-            <a:r>
-              <a:rPr lang="ko-KR" altLang="en-US" sz="1600" dirty="0">
-                <a:latin typeface="+mn-ea"/>
-              </a:rPr>
-              <a:t>카메라와 조명이 켜지고 녹음 되어있던 경고 메시지가 나온다</a:t>
-            </a:r>
-            <a:r>
-              <a:rPr lang="en-US" altLang="ko-KR" sz="1600" dirty="0">
-                <a:latin typeface="+mn-ea"/>
-              </a:rPr>
-              <a:t>. </a:t>
+              <a:t>!</a:t>
             </a:r>
             <a:endParaRPr lang="ko-KR" altLang="en-US" sz="1600" dirty="0">
               <a:latin typeface="+mn-ea"/>
@@ -4671,7 +4668,7 @@
         <p:spPr>
           <a:xfrm>
             <a:off x="376335" y="1077942"/>
-            <a:ext cx="11439332" cy="1077218"/>
+            <a:ext cx="11439332" cy="1323439"/>
           </a:xfrm>
           <a:prstGeom prst="rect">
             <a:avLst/>
@@ -4731,7 +4728,7 @@
                 <a:latin typeface="+mn-ea"/>
               </a:rPr>
             </a:br>
-            <a:br>
+            <a:r>
               <a:rPr lang="en-US" altLang="ko-KR" sz="1600" dirty="0">
                 <a:solidFill>
                   <a:schemeClr val="tx1">
@@ -4741,8 +4738,32 @@
                 </a:solidFill>
                 <a:latin typeface="+mn-ea"/>
               </a:rPr>
-            </a:br>
-            <a:br>
+              <a:t>    </a:t>
+            </a:r>
+            <a:r>
+              <a:rPr lang="ko-KR" altLang="en-US" sz="1600" dirty="0">
+                <a:solidFill>
+                  <a:schemeClr val="tx1">
+                    <a:lumMod val="85000"/>
+                    <a:lumOff val="15000"/>
+                  </a:schemeClr>
+                </a:solidFill>
+                <a:latin typeface="+mn-ea"/>
+              </a:rPr>
+              <a:t>연예인 닮은꼴</a:t>
+            </a:r>
+            <a:endParaRPr lang="en-US" altLang="ko-KR" sz="1600" dirty="0">
+              <a:solidFill>
+                <a:schemeClr val="tx1">
+                  <a:lumMod val="85000"/>
+                  <a:lumOff val="15000"/>
+                </a:schemeClr>
+              </a:solidFill>
+              <a:latin typeface="+mn-ea"/>
+            </a:endParaRPr>
+          </a:p>
+          <a:p>
+            <a:r>
               <a:rPr lang="en-US" altLang="ko-KR" sz="1600" dirty="0">
                 <a:solidFill>
                   <a:schemeClr val="tx1">
@@ -4752,7 +4773,20 @@
                 </a:solidFill>
                 <a:latin typeface="+mn-ea"/>
               </a:rPr>
-            </a:br>
+              <a:t>2. </a:t>
+            </a:r>
+            <a:r>
+              <a:rPr lang="ko-KR" altLang="en-US" sz="1600" dirty="0">
+                <a:solidFill>
+                  <a:schemeClr val="tx1">
+                    <a:lumMod val="85000"/>
+                    <a:lumOff val="15000"/>
+                  </a:schemeClr>
+                </a:solidFill>
+                <a:latin typeface="+mn-ea"/>
+              </a:rPr>
+              <a:t>생성한 모델에 대해서 설명하세요</a:t>
+            </a:r>
             <a:r>
               <a:rPr lang="en-US" altLang="ko-KR" sz="1600" dirty="0">
                 <a:solidFill>
@@ -4763,7 +4797,21 @@
                 </a:solidFill>
                 <a:latin typeface="+mn-ea"/>
               </a:rPr>
-              <a:t>2. </a:t>
+              <a:t>.</a:t>
+            </a:r>
+          </a:p>
+          <a:p>
+            <a:r>
+              <a:rPr lang="en-US" altLang="ko-KR" sz="1600" dirty="0">
+                <a:solidFill>
+                  <a:schemeClr val="tx1">
+                    <a:lumMod val="85000"/>
+                    <a:lumOff val="15000"/>
+                  </a:schemeClr>
+                </a:solidFill>
+                <a:latin typeface="+mn-ea"/>
+              </a:rPr>
+              <a:t>     </a:t>
             </a:r>
             <a:r>
               <a:rPr lang="ko-KR" altLang="en-US" sz="1600" dirty="0">
@@ -4775,10 +4823,10 @@
                 </a:solidFill>
                 <a:latin typeface="+mn-ea"/>
               </a:rPr>
-              <a:t>생성한 모델에 대해서 설명하세요</a:t>
-            </a:r>
-            <a:r>
-              <a:rPr lang="en-US" altLang="ko-KR" sz="1600" dirty="0">
+              <a:t>자신과 닮은꼴의 연예인을 찾아준다</a:t>
+            </a:r>
+            <a:r>
+              <a:rPr lang="en-US" altLang="ko-KR" sz="1600">
                 <a:solidFill>
                   <a:schemeClr val="tx1">
                     <a:lumMod val="85000"/>
@@ -4789,6 +4837,20 @@
               </a:rPr>
               <a:t>.</a:t>
             </a:r>
+            <a:endParaRPr lang="en-US" altLang="ko-KR" sz="1600" dirty="0">
+              <a:solidFill>
+                <a:schemeClr val="tx1">
+                  <a:lumMod val="85000"/>
+                  <a:lumOff val="15000"/>
+                </a:schemeClr>
+              </a:solidFill>
+              <a:latin typeface="+mn-ea"/>
+            </a:endParaRPr>
+          </a:p>
+          <a:p>
+            <a:pPr marL="342900" indent="-342900">
+              <a:buAutoNum type="arabicPeriod"/>
+            </a:pPr>
             <a:endParaRPr lang="ko-KR" altLang="en-US" sz="1600" dirty="0">
               <a:solidFill>
                 <a:schemeClr val="tx1">
